--- a/SISTEMA DE GESTIÓN CINEMATOGRÁFICA.pptx
+++ b/SISTEMA DE GESTIÓN CINEMATOGRÁFICA.pptx
@@ -7,7 +7,7 @@
   <p:sldIdLst>
     <p:sldId id="256" r:id="rId2"/>
     <p:sldId id="257" r:id="rId3"/>
-    <p:sldId id="258" r:id="rId4"/>
+    <p:sldId id="260" r:id="rId4"/>
   </p:sldIdLst>
   <p:sldSz cx="12192000" cy="6858000"/>
   <p:notesSz cx="6858000" cy="9144000"/>
@@ -106,6 +106,11 @@
       </a:defRPr>
     </a:lvl9pPr>
   </p:defaultTextStyle>
+  <p:extLst>
+    <p:ext uri="{EFAFB233-063F-42B5-8137-9DF3F51BA10A}">
+      <p15:sldGuideLst xmlns:p15="http://schemas.microsoft.com/office/powerpoint/2012/main"/>
+    </p:ext>
+  </p:extLst>
 </p:presentation>
 </file>
 
@@ -159,7 +164,7 @@
           <a:noFill/>
           <a:extLst>
             <a:ext uri="{909E8E84-426E-40dd-AFC4-6F175D3DCCD1}">
-              <a14:hiddenFill xmlns:a14="http://schemas.microsoft.com/office/drawing/2010/main" xmlns="">
+              <a14:hiddenFill xmlns="" xmlns:a14="http://schemas.microsoft.com/office/drawing/2010/main">
                 <a:solidFill>
                   <a:srgbClr val="FFFFFF"/>
                 </a:solidFill>
@@ -219,7 +224,7 @@
             </a:ln>
             <a:extLst>
               <a:ext uri="{91240B29-F687-4f45-9708-019B960494DF}">
-                <a14:hiddenLine xmlns:a14="http://schemas.microsoft.com/office/drawing/2010/main" xmlns="" w="9525">
+                <a14:hiddenLine xmlns="" xmlns:a14="http://schemas.microsoft.com/office/drawing/2010/main" w="9525">
                   <a:solidFill>
                     <a:srgbClr val="000000"/>
                   </a:solidFill>
@@ -309,7 +314,7 @@
             </a:ln>
             <a:extLst>
               <a:ext uri="{91240B29-F687-4f45-9708-019B960494DF}">
-                <a14:hiddenLine xmlns:a14="http://schemas.microsoft.com/office/drawing/2010/main" xmlns="" w="9525">
+                <a14:hiddenLine xmlns="" xmlns:a14="http://schemas.microsoft.com/office/drawing/2010/main" w="9525">
                   <a:solidFill>
                     <a:srgbClr val="000000"/>
                   </a:solidFill>
@@ -399,7 +404,7 @@
             </a:ln>
             <a:extLst>
               <a:ext uri="{91240B29-F687-4f45-9708-019B960494DF}">
-                <a14:hiddenLine xmlns:a14="http://schemas.microsoft.com/office/drawing/2010/main" xmlns="" w="9525">
+                <a14:hiddenLine xmlns="" xmlns:a14="http://schemas.microsoft.com/office/drawing/2010/main" w="9525">
                   <a:solidFill>
                     <a:srgbClr val="000000"/>
                   </a:solidFill>
@@ -433,7 +438,7 @@
             </a:ln>
             <a:extLst>
               <a:ext uri="{91240B29-F687-4f45-9708-019B960494DF}">
-                <a14:hiddenLine xmlns:a14="http://schemas.microsoft.com/office/drawing/2010/main" xmlns="" w="9525">
+                <a14:hiddenLine xmlns="" xmlns:a14="http://schemas.microsoft.com/office/drawing/2010/main" w="9525">
                   <a:solidFill>
                     <a:srgbClr val="000000"/>
                   </a:solidFill>
@@ -523,7 +528,7 @@
             </a:ln>
             <a:extLst>
               <a:ext uri="{91240B29-F687-4f45-9708-019B960494DF}">
-                <a14:hiddenLine xmlns:a14="http://schemas.microsoft.com/office/drawing/2010/main" xmlns="" w="9525">
+                <a14:hiddenLine xmlns="" xmlns:a14="http://schemas.microsoft.com/office/drawing/2010/main" w="9525">
                   <a:solidFill>
                     <a:srgbClr val="000000"/>
                   </a:solidFill>
@@ -585,7 +590,7 @@
             </a:ln>
             <a:extLst>
               <a:ext uri="{91240B29-F687-4f45-9708-019B960494DF}">
-                <a14:hiddenLine xmlns:a14="http://schemas.microsoft.com/office/drawing/2010/main" xmlns="" w="9525">
+                <a14:hiddenLine xmlns="" xmlns:a14="http://schemas.microsoft.com/office/drawing/2010/main" w="9525">
                   <a:solidFill>
                     <a:srgbClr val="000000"/>
                   </a:solidFill>
@@ -647,7 +652,7 @@
             </a:ln>
             <a:extLst>
               <a:ext uri="{91240B29-F687-4f45-9708-019B960494DF}">
-                <a14:hiddenLine xmlns:a14="http://schemas.microsoft.com/office/drawing/2010/main" xmlns="" w="9525">
+                <a14:hiddenLine xmlns="" xmlns:a14="http://schemas.microsoft.com/office/drawing/2010/main" w="9525">
                   <a:solidFill>
                     <a:srgbClr val="000000"/>
                   </a:solidFill>
@@ -737,7 +742,7 @@
             </a:ln>
             <a:extLst>
               <a:ext uri="{91240B29-F687-4f45-9708-019B960494DF}">
-                <a14:hiddenLine xmlns:a14="http://schemas.microsoft.com/office/drawing/2010/main" xmlns="" w="9525">
+                <a14:hiddenLine xmlns="" xmlns:a14="http://schemas.microsoft.com/office/drawing/2010/main" w="9525">
                   <a:solidFill>
                     <a:srgbClr val="000000"/>
                   </a:solidFill>
@@ -799,7 +804,7 @@
             </a:ln>
             <a:extLst>
               <a:ext uri="{91240B29-F687-4f45-9708-019B960494DF}">
-                <a14:hiddenLine xmlns:a14="http://schemas.microsoft.com/office/drawing/2010/main" xmlns="" w="9525">
+                <a14:hiddenLine xmlns="" xmlns:a14="http://schemas.microsoft.com/office/drawing/2010/main" w="9525">
                   <a:solidFill>
                     <a:srgbClr val="000000"/>
                   </a:solidFill>
@@ -861,7 +866,7 @@
             </a:ln>
             <a:extLst>
               <a:ext uri="{91240B29-F687-4f45-9708-019B960494DF}">
-                <a14:hiddenLine xmlns:a14="http://schemas.microsoft.com/office/drawing/2010/main" xmlns="" w="9525">
+                <a14:hiddenLine xmlns="" xmlns:a14="http://schemas.microsoft.com/office/drawing/2010/main" w="9525">
                   <a:solidFill>
                     <a:srgbClr val="000000"/>
                   </a:solidFill>
@@ -951,7 +956,7 @@
             </a:ln>
             <a:extLst>
               <a:ext uri="{91240B29-F687-4f45-9708-019B960494DF}">
-                <a14:hiddenLine xmlns:a14="http://schemas.microsoft.com/office/drawing/2010/main" xmlns="" w="9525">
+                <a14:hiddenLine xmlns="" xmlns:a14="http://schemas.microsoft.com/office/drawing/2010/main" w="9525">
                   <a:solidFill>
                     <a:srgbClr val="000000"/>
                   </a:solidFill>
@@ -1041,7 +1046,7 @@
             </a:ln>
             <a:extLst>
               <a:ext uri="{91240B29-F687-4f45-9708-019B960494DF}">
-                <a14:hiddenLine xmlns:a14="http://schemas.microsoft.com/office/drawing/2010/main" xmlns="" w="9525">
+                <a14:hiddenLine xmlns="" xmlns:a14="http://schemas.microsoft.com/office/drawing/2010/main" w="9525">
                   <a:solidFill>
                     <a:srgbClr val="000000"/>
                   </a:solidFill>
@@ -1103,7 +1108,7 @@
             </a:ln>
             <a:extLst>
               <a:ext uri="{91240B29-F687-4f45-9708-019B960494DF}">
-                <a14:hiddenLine xmlns:a14="http://schemas.microsoft.com/office/drawing/2010/main" xmlns="" w="9525">
+                <a14:hiddenLine xmlns="" xmlns:a14="http://schemas.microsoft.com/office/drawing/2010/main" w="9525">
                   <a:solidFill>
                     <a:srgbClr val="000000"/>
                   </a:solidFill>
@@ -1213,7 +1218,7 @@
             </a:ln>
             <a:extLst>
               <a:ext uri="{91240B29-F687-4f45-9708-019B960494DF}">
-                <a14:hiddenLine xmlns:a14="http://schemas.microsoft.com/office/drawing/2010/main" xmlns="" w="9525">
+                <a14:hiddenLine xmlns="" xmlns:a14="http://schemas.microsoft.com/office/drawing/2010/main" w="9525">
                   <a:solidFill>
                     <a:srgbClr val="000000"/>
                   </a:solidFill>
@@ -1275,7 +1280,7 @@
             </a:ln>
             <a:extLst>
               <a:ext uri="{91240B29-F687-4f45-9708-019B960494DF}">
-                <a14:hiddenLine xmlns:a14="http://schemas.microsoft.com/office/drawing/2010/main" xmlns="" w="9525">
+                <a14:hiddenLine xmlns="" xmlns:a14="http://schemas.microsoft.com/office/drawing/2010/main" w="9525">
                   <a:solidFill>
                     <a:srgbClr val="000000"/>
                   </a:solidFill>
@@ -1365,7 +1370,7 @@
             </a:ln>
             <a:extLst>
               <a:ext uri="{91240B29-F687-4f45-9708-019B960494DF}">
-                <a14:hiddenLine xmlns:a14="http://schemas.microsoft.com/office/drawing/2010/main" xmlns="" w="9525">
+                <a14:hiddenLine xmlns="" xmlns:a14="http://schemas.microsoft.com/office/drawing/2010/main" w="9525">
                   <a:solidFill>
                     <a:srgbClr val="000000"/>
                   </a:solidFill>
@@ -1455,7 +1460,7 @@
             </a:ln>
             <a:extLst>
               <a:ext uri="{91240B29-F687-4f45-9708-019B960494DF}">
-                <a14:hiddenLine xmlns:a14="http://schemas.microsoft.com/office/drawing/2010/main" xmlns="" w="9525">
+                <a14:hiddenLine xmlns="" xmlns:a14="http://schemas.microsoft.com/office/drawing/2010/main" w="9525">
                   <a:solidFill>
                     <a:srgbClr val="000000"/>
                   </a:solidFill>
@@ -1517,7 +1522,7 @@
             </a:ln>
             <a:extLst>
               <a:ext uri="{91240B29-F687-4f45-9708-019B960494DF}">
-                <a14:hiddenLine xmlns:a14="http://schemas.microsoft.com/office/drawing/2010/main" xmlns="" w="9525">
+                <a14:hiddenLine xmlns="" xmlns:a14="http://schemas.microsoft.com/office/drawing/2010/main" w="9525">
                   <a:solidFill>
                     <a:srgbClr val="000000"/>
                   </a:solidFill>
@@ -1607,7 +1612,7 @@
             </a:ln>
             <a:extLst>
               <a:ext uri="{91240B29-F687-4f45-9708-019B960494DF}">
-                <a14:hiddenLine xmlns:a14="http://schemas.microsoft.com/office/drawing/2010/main" xmlns="" w="9525">
+                <a14:hiddenLine xmlns="" xmlns:a14="http://schemas.microsoft.com/office/drawing/2010/main" w="9525">
                   <a:solidFill>
                     <a:srgbClr val="000000"/>
                   </a:solidFill>
@@ -1697,7 +1702,7 @@
             </a:ln>
             <a:extLst>
               <a:ext uri="{91240B29-F687-4f45-9708-019B960494DF}">
-                <a14:hiddenLine xmlns:a14="http://schemas.microsoft.com/office/drawing/2010/main" xmlns="" w="9525">
+                <a14:hiddenLine xmlns="" xmlns:a14="http://schemas.microsoft.com/office/drawing/2010/main" w="9525">
                   <a:solidFill>
                     <a:srgbClr val="000000"/>
                   </a:solidFill>
@@ -1753,7 +1758,7 @@
             </a:ln>
             <a:extLst>
               <a:ext uri="{91240B29-F687-4f45-9708-019B960494DF}">
-                <a14:hiddenLine xmlns:a14="http://schemas.microsoft.com/office/drawing/2010/main" xmlns="" w="9525">
+                <a14:hiddenLine xmlns="" xmlns:a14="http://schemas.microsoft.com/office/drawing/2010/main" w="9525">
                   <a:solidFill>
                     <a:srgbClr val="000000"/>
                   </a:solidFill>
@@ -1843,7 +1848,7 @@
             </a:ln>
             <a:extLst>
               <a:ext uri="{91240B29-F687-4f45-9708-019B960494DF}">
-                <a14:hiddenLine xmlns:a14="http://schemas.microsoft.com/office/drawing/2010/main" xmlns="" w="9525">
+                <a14:hiddenLine xmlns="" xmlns:a14="http://schemas.microsoft.com/office/drawing/2010/main" w="9525">
                   <a:solidFill>
                     <a:srgbClr val="000000"/>
                   </a:solidFill>
@@ -1899,7 +1904,7 @@
             </a:ln>
             <a:extLst>
               <a:ext uri="{91240B29-F687-4f45-9708-019B960494DF}">
-                <a14:hiddenLine xmlns:a14="http://schemas.microsoft.com/office/drawing/2010/main" xmlns="" w="9525">
+                <a14:hiddenLine xmlns="" xmlns:a14="http://schemas.microsoft.com/office/drawing/2010/main" w="9525">
                   <a:solidFill>
                     <a:srgbClr val="000000"/>
                   </a:solidFill>
@@ -1989,7 +1994,7 @@
             </a:ln>
             <a:extLst>
               <a:ext uri="{91240B29-F687-4f45-9708-019B960494DF}">
-                <a14:hiddenLine xmlns:a14="http://schemas.microsoft.com/office/drawing/2010/main" xmlns="" w="9525">
+                <a14:hiddenLine xmlns="" xmlns:a14="http://schemas.microsoft.com/office/drawing/2010/main" w="9525">
                   <a:solidFill>
                     <a:srgbClr val="000000"/>
                   </a:solidFill>
@@ -2057,7 +2062,7 @@
             </a:ln>
             <a:extLst>
               <a:ext uri="{91240B29-F687-4f45-9708-019B960494DF}">
-                <a14:hiddenLine xmlns:a14="http://schemas.microsoft.com/office/drawing/2010/main" xmlns="" w="9525">
+                <a14:hiddenLine xmlns="" xmlns:a14="http://schemas.microsoft.com/office/drawing/2010/main" w="9525">
                   <a:solidFill>
                     <a:srgbClr val="000000"/>
                   </a:solidFill>
@@ -2147,7 +2152,7 @@
             </a:ln>
             <a:extLst>
               <a:ext uri="{91240B29-F687-4f45-9708-019B960494DF}">
-                <a14:hiddenLine xmlns:a14="http://schemas.microsoft.com/office/drawing/2010/main" xmlns="" w="9525">
+                <a14:hiddenLine xmlns="" xmlns:a14="http://schemas.microsoft.com/office/drawing/2010/main" w="9525">
                   <a:solidFill>
                     <a:srgbClr val="000000"/>
                   </a:solidFill>
@@ -2215,7 +2220,7 @@
             </a:ln>
             <a:extLst>
               <a:ext uri="{91240B29-F687-4f45-9708-019B960494DF}">
-                <a14:hiddenLine xmlns:a14="http://schemas.microsoft.com/office/drawing/2010/main" xmlns="" w="9525">
+                <a14:hiddenLine xmlns="" xmlns:a14="http://schemas.microsoft.com/office/drawing/2010/main" w="9525">
                   <a:solidFill>
                     <a:srgbClr val="000000"/>
                   </a:solidFill>
@@ -2305,7 +2310,7 @@
             </a:ln>
             <a:extLst>
               <a:ext uri="{91240B29-F687-4f45-9708-019B960494DF}">
-                <a14:hiddenLine xmlns:a14="http://schemas.microsoft.com/office/drawing/2010/main" xmlns="" w="9525">
+                <a14:hiddenLine xmlns="" xmlns:a14="http://schemas.microsoft.com/office/drawing/2010/main" w="9525">
                   <a:solidFill>
                     <a:srgbClr val="000000"/>
                   </a:solidFill>
@@ -2339,7 +2344,7 @@
             </a:ln>
             <a:extLst>
               <a:ext uri="{91240B29-F687-4f45-9708-019B960494DF}">
-                <a14:hiddenLine xmlns:a14="http://schemas.microsoft.com/office/drawing/2010/main" xmlns="" w="9525">
+                <a14:hiddenLine xmlns="" xmlns:a14="http://schemas.microsoft.com/office/drawing/2010/main" w="9525">
                   <a:solidFill>
                     <a:srgbClr val="000000"/>
                   </a:solidFill>
@@ -2429,7 +2434,7 @@
             </a:ln>
             <a:extLst>
               <a:ext uri="{91240B29-F687-4f45-9708-019B960494DF}">
-                <a14:hiddenLine xmlns:a14="http://schemas.microsoft.com/office/drawing/2010/main" xmlns="" w="9525">
+                <a14:hiddenLine xmlns="" xmlns:a14="http://schemas.microsoft.com/office/drawing/2010/main" w="9525">
                   <a:solidFill>
                     <a:srgbClr val="000000"/>
                   </a:solidFill>
@@ -2491,7 +2496,7 @@
             </a:ln>
             <a:extLst>
               <a:ext uri="{91240B29-F687-4f45-9708-019B960494DF}">
-                <a14:hiddenLine xmlns:a14="http://schemas.microsoft.com/office/drawing/2010/main" xmlns="" w="9525">
+                <a14:hiddenLine xmlns="" xmlns:a14="http://schemas.microsoft.com/office/drawing/2010/main" w="9525">
                   <a:solidFill>
                     <a:srgbClr val="000000"/>
                   </a:solidFill>
@@ -2553,7 +2558,7 @@
             </a:ln>
             <a:extLst>
               <a:ext uri="{91240B29-F687-4f45-9708-019B960494DF}">
-                <a14:hiddenLine xmlns:a14="http://schemas.microsoft.com/office/drawing/2010/main" xmlns="" w="9525">
+                <a14:hiddenLine xmlns="" xmlns:a14="http://schemas.microsoft.com/office/drawing/2010/main" w="9525">
                   <a:solidFill>
                     <a:srgbClr val="000000"/>
                   </a:solidFill>
@@ -2643,7 +2648,7 @@
             </a:ln>
             <a:extLst>
               <a:ext uri="{91240B29-F687-4f45-9708-019B960494DF}">
-                <a14:hiddenLine xmlns:a14="http://schemas.microsoft.com/office/drawing/2010/main" xmlns="" w="9525">
+                <a14:hiddenLine xmlns="" xmlns:a14="http://schemas.microsoft.com/office/drawing/2010/main" w="9525">
                   <a:solidFill>
                     <a:srgbClr val="000000"/>
                   </a:solidFill>
@@ -2711,7 +2716,7 @@
             </a:ln>
             <a:extLst>
               <a:ext uri="{91240B29-F687-4f45-9708-019B960494DF}">
-                <a14:hiddenLine xmlns:a14="http://schemas.microsoft.com/office/drawing/2010/main" xmlns="" w="9525">
+                <a14:hiddenLine xmlns="" xmlns:a14="http://schemas.microsoft.com/office/drawing/2010/main" w="9525">
                   <a:solidFill>
                     <a:srgbClr val="000000"/>
                   </a:solidFill>
@@ -2773,7 +2778,7 @@
             </a:ln>
             <a:extLst>
               <a:ext uri="{91240B29-F687-4f45-9708-019B960494DF}">
-                <a14:hiddenLine xmlns:a14="http://schemas.microsoft.com/office/drawing/2010/main" xmlns="" w="9525">
+                <a14:hiddenLine xmlns="" xmlns:a14="http://schemas.microsoft.com/office/drawing/2010/main" w="9525">
                   <a:solidFill>
                     <a:srgbClr val="000000"/>
                   </a:solidFill>
@@ -2863,7 +2868,7 @@
             </a:ln>
             <a:extLst>
               <a:ext uri="{91240B29-F687-4f45-9708-019B960494DF}">
-                <a14:hiddenLine xmlns:a14="http://schemas.microsoft.com/office/drawing/2010/main" xmlns="" w="9525">
+                <a14:hiddenLine xmlns="" xmlns:a14="http://schemas.microsoft.com/office/drawing/2010/main" w="9525">
                   <a:solidFill>
                     <a:srgbClr val="000000"/>
                   </a:solidFill>
@@ -2925,7 +2930,7 @@
             </a:ln>
             <a:extLst>
               <a:ext uri="{91240B29-F687-4f45-9708-019B960494DF}">
-                <a14:hiddenLine xmlns:a14="http://schemas.microsoft.com/office/drawing/2010/main" xmlns="" w="9525">
+                <a14:hiddenLine xmlns="" xmlns:a14="http://schemas.microsoft.com/office/drawing/2010/main" w="9525">
                   <a:solidFill>
                     <a:srgbClr val="000000"/>
                   </a:solidFill>
@@ -3015,7 +3020,7 @@
             </a:ln>
             <a:extLst>
               <a:ext uri="{91240B29-F687-4f45-9708-019B960494DF}">
-                <a14:hiddenLine xmlns:a14="http://schemas.microsoft.com/office/drawing/2010/main" xmlns="" w="9525">
+                <a14:hiddenLine xmlns="" xmlns:a14="http://schemas.microsoft.com/office/drawing/2010/main" w="9525">
                   <a:solidFill>
                     <a:srgbClr val="000000"/>
                   </a:solidFill>
@@ -3077,7 +3082,7 @@
             </a:ln>
             <a:extLst>
               <a:ext uri="{91240B29-F687-4f45-9708-019B960494DF}">
-                <a14:hiddenLine xmlns:a14="http://schemas.microsoft.com/office/drawing/2010/main" xmlns="" w="9525">
+                <a14:hiddenLine xmlns="" xmlns:a14="http://schemas.microsoft.com/office/drawing/2010/main" w="9525">
                   <a:solidFill>
                     <a:srgbClr val="000000"/>
                   </a:solidFill>
@@ -3167,7 +3172,7 @@
             </a:ln>
             <a:extLst>
               <a:ext uri="{91240B29-F687-4f45-9708-019B960494DF}">
-                <a14:hiddenLine xmlns:a14="http://schemas.microsoft.com/office/drawing/2010/main" xmlns="" w="9525">
+                <a14:hiddenLine xmlns="" xmlns:a14="http://schemas.microsoft.com/office/drawing/2010/main" w="9525">
                   <a:solidFill>
                     <a:srgbClr val="000000"/>
                   </a:solidFill>
@@ -3201,7 +3206,7 @@
             </a:ln>
             <a:extLst>
               <a:ext uri="{91240B29-F687-4f45-9708-019B960494DF}">
-                <a14:hiddenLine xmlns:a14="http://schemas.microsoft.com/office/drawing/2010/main" xmlns="" w="9525">
+                <a14:hiddenLine xmlns="" xmlns:a14="http://schemas.microsoft.com/office/drawing/2010/main" w="9525">
                   <a:solidFill>
                     <a:srgbClr val="000000"/>
                   </a:solidFill>
@@ -3266,7 +3271,7 @@
             </a:ln>
             <a:extLst>
               <a:ext uri="{91240B29-F687-4f45-9708-019B960494DF}">
-                <a14:hiddenLine xmlns:a14="http://schemas.microsoft.com/office/drawing/2010/main" xmlns="" w="9525">
+                <a14:hiddenLine xmlns="" xmlns:a14="http://schemas.microsoft.com/office/drawing/2010/main" w="9525">
                   <a:solidFill>
                     <a:srgbClr val="000000"/>
                   </a:solidFill>
@@ -3356,7 +3361,7 @@
             </a:ln>
             <a:extLst>
               <a:ext uri="{91240B29-F687-4f45-9708-019B960494DF}">
-                <a14:hiddenLine xmlns:a14="http://schemas.microsoft.com/office/drawing/2010/main" xmlns="" w="9525">
+                <a14:hiddenLine xmlns="" xmlns:a14="http://schemas.microsoft.com/office/drawing/2010/main" w="9525">
                   <a:solidFill>
                     <a:srgbClr val="000000"/>
                   </a:solidFill>
@@ -3418,7 +3423,7 @@
             </a:ln>
             <a:extLst>
               <a:ext uri="{91240B29-F687-4f45-9708-019B960494DF}">
-                <a14:hiddenLine xmlns:a14="http://schemas.microsoft.com/office/drawing/2010/main" xmlns="" w="9525">
+                <a14:hiddenLine xmlns="" xmlns:a14="http://schemas.microsoft.com/office/drawing/2010/main" w="9525">
                   <a:solidFill>
                     <a:srgbClr val="000000"/>
                   </a:solidFill>
@@ -3508,7 +3513,7 @@
             </a:ln>
             <a:extLst>
               <a:ext uri="{91240B29-F687-4f45-9708-019B960494DF}">
-                <a14:hiddenLine xmlns:a14="http://schemas.microsoft.com/office/drawing/2010/main" xmlns="" w="9525">
+                <a14:hiddenLine xmlns="" xmlns:a14="http://schemas.microsoft.com/office/drawing/2010/main" w="9525">
                   <a:solidFill>
                     <a:srgbClr val="000000"/>
                   </a:solidFill>
@@ -3598,7 +3603,7 @@
             </a:ln>
             <a:extLst>
               <a:ext uri="{91240B29-F687-4f45-9708-019B960494DF}">
-                <a14:hiddenLine xmlns:a14="http://schemas.microsoft.com/office/drawing/2010/main" xmlns="" w="9525">
+                <a14:hiddenLine xmlns="" xmlns:a14="http://schemas.microsoft.com/office/drawing/2010/main" w="9525">
                   <a:solidFill>
                     <a:srgbClr val="000000"/>
                   </a:solidFill>
@@ -3663,7 +3668,7 @@
             </a:ln>
             <a:extLst>
               <a:ext uri="{91240B29-F687-4f45-9708-019B960494DF}">
-                <a14:hiddenLine xmlns:a14="http://schemas.microsoft.com/office/drawing/2010/main" xmlns="" w="9525">
+                <a14:hiddenLine xmlns="" xmlns:a14="http://schemas.microsoft.com/office/drawing/2010/main" w="9525">
                   <a:solidFill>
                     <a:srgbClr val="000000"/>
                   </a:solidFill>
@@ -3725,7 +3730,7 @@
             </a:ln>
             <a:extLst>
               <a:ext uri="{91240B29-F687-4f45-9708-019B960494DF}">
-                <a14:hiddenLine xmlns:a14="http://schemas.microsoft.com/office/drawing/2010/main" xmlns="" w="9525">
+                <a14:hiddenLine xmlns="" xmlns:a14="http://schemas.microsoft.com/office/drawing/2010/main" w="9525">
                   <a:solidFill>
                     <a:srgbClr val="000000"/>
                   </a:solidFill>
@@ -3815,7 +3820,7 @@
             </a:ln>
             <a:extLst>
               <a:ext uri="{91240B29-F687-4f45-9708-019B960494DF}">
-                <a14:hiddenLine xmlns:a14="http://schemas.microsoft.com/office/drawing/2010/main" xmlns="" w="9525">
+                <a14:hiddenLine xmlns="" xmlns:a14="http://schemas.microsoft.com/office/drawing/2010/main" w="9525">
                   <a:solidFill>
                     <a:srgbClr val="000000"/>
                   </a:solidFill>
@@ -3905,7 +3910,7 @@
             </a:ln>
             <a:extLst>
               <a:ext uri="{91240B29-F687-4f45-9708-019B960494DF}">
-                <a14:hiddenLine xmlns:a14="http://schemas.microsoft.com/office/drawing/2010/main" xmlns="" w="9525">
+                <a14:hiddenLine xmlns="" xmlns:a14="http://schemas.microsoft.com/office/drawing/2010/main" w="9525">
                   <a:solidFill>
                     <a:srgbClr val="000000"/>
                   </a:solidFill>
@@ -3967,7 +3972,7 @@
             </a:ln>
             <a:extLst>
               <a:ext uri="{91240B29-F687-4f45-9708-019B960494DF}">
-                <a14:hiddenLine xmlns:a14="http://schemas.microsoft.com/office/drawing/2010/main" xmlns="" w="9525">
+                <a14:hiddenLine xmlns="" xmlns:a14="http://schemas.microsoft.com/office/drawing/2010/main" w="9525">
                   <a:solidFill>
                     <a:srgbClr val="000000"/>
                   </a:solidFill>
@@ -4087,7 +4092,7 @@
             </a:ln>
             <a:extLst>
               <a:ext uri="{91240B29-F687-4f45-9708-019B960494DF}">
-                <a14:hiddenLine xmlns:a14="http://schemas.microsoft.com/office/drawing/2010/main" xmlns="" w="9525">
+                <a14:hiddenLine xmlns="" xmlns:a14="http://schemas.microsoft.com/office/drawing/2010/main" w="9525">
                   <a:solidFill>
                     <a:srgbClr val="000000"/>
                   </a:solidFill>
@@ -4155,7 +4160,7 @@
             </a:ln>
             <a:extLst>
               <a:ext uri="{91240B29-F687-4f45-9708-019B960494DF}">
-                <a14:hiddenLine xmlns:a14="http://schemas.microsoft.com/office/drawing/2010/main" xmlns="" w="9525">
+                <a14:hiddenLine xmlns="" xmlns:a14="http://schemas.microsoft.com/office/drawing/2010/main" w="9525">
                   <a:solidFill>
                     <a:srgbClr val="000000"/>
                   </a:solidFill>
@@ -4245,7 +4250,7 @@
             </a:ln>
             <a:extLst>
               <a:ext uri="{91240B29-F687-4f45-9708-019B960494DF}">
-                <a14:hiddenLine xmlns:a14="http://schemas.microsoft.com/office/drawing/2010/main" xmlns="" w="9525">
+                <a14:hiddenLine xmlns="" xmlns:a14="http://schemas.microsoft.com/office/drawing/2010/main" w="9525">
                   <a:solidFill>
                     <a:srgbClr val="000000"/>
                   </a:solidFill>
@@ -4385,7 +4390,7 @@
           <a:p>
             <a:fld id="{F07CD3FD-BE54-4400-942B-C6C15AA73DFD}" type="datetimeFigureOut">
               <a:rPr lang="en-US" smtClean="0"/>
-              <a:t>8/14/2023</a:t>
+              <a:t>8/23/2023</a:t>
             </a:fld>
             <a:endParaRPr lang="en-US"/>
           </a:p>
@@ -4652,7 +4657,7 @@
           <a:p>
             <a:fld id="{F07CD3FD-BE54-4400-942B-C6C15AA73DFD}" type="datetimeFigureOut">
               <a:rPr lang="en-US" smtClean="0"/>
-              <a:t>8/14/2023</a:t>
+              <a:t>8/23/2023</a:t>
             </a:fld>
             <a:endParaRPr lang="en-US"/>
           </a:p>
@@ -4848,7 +4853,7 @@
           <a:p>
             <a:fld id="{F07CD3FD-BE54-4400-942B-C6C15AA73DFD}" type="datetimeFigureOut">
               <a:rPr lang="en-US" smtClean="0"/>
-              <a:t>8/14/2023</a:t>
+              <a:t>8/23/2023</a:t>
             </a:fld>
             <a:endParaRPr lang="en-US"/>
           </a:p>
@@ -5111,7 +5116,7 @@
           <a:p>
             <a:fld id="{F07CD3FD-BE54-4400-942B-C6C15AA73DFD}" type="datetimeFigureOut">
               <a:rPr lang="en-US" smtClean="0"/>
-              <a:t>8/14/2023</a:t>
+              <a:t>8/23/2023</a:t>
             </a:fld>
             <a:endParaRPr lang="en-US"/>
           </a:p>
@@ -5545,7 +5550,7 @@
           <a:p>
             <a:fld id="{F07CD3FD-BE54-4400-942B-C6C15AA73DFD}" type="datetimeFigureOut">
               <a:rPr lang="en-US" smtClean="0"/>
-              <a:t>8/14/2023</a:t>
+              <a:t>8/23/2023</a:t>
             </a:fld>
             <a:endParaRPr lang="en-US"/>
           </a:p>
@@ -6091,7 +6096,7 @@
           <a:p>
             <a:fld id="{F07CD3FD-BE54-4400-942B-C6C15AA73DFD}" type="datetimeFigureOut">
               <a:rPr lang="en-US" smtClean="0"/>
-              <a:t>8/14/2023</a:t>
+              <a:t>8/23/2023</a:t>
             </a:fld>
             <a:endParaRPr lang="en-US"/>
           </a:p>
@@ -6811,7 +6816,7 @@
           <a:p>
             <a:fld id="{F07CD3FD-BE54-4400-942B-C6C15AA73DFD}" type="datetimeFigureOut">
               <a:rPr lang="en-US" smtClean="0"/>
-              <a:t>8/14/2023</a:t>
+              <a:t>8/23/2023</a:t>
             </a:fld>
             <a:endParaRPr lang="en-US"/>
           </a:p>
@@ -6981,7 +6986,7 @@
           <a:p>
             <a:fld id="{F07CD3FD-BE54-4400-942B-C6C15AA73DFD}" type="datetimeFigureOut">
               <a:rPr lang="en-US" smtClean="0"/>
-              <a:t>8/14/2023</a:t>
+              <a:t>8/23/2023</a:t>
             </a:fld>
             <a:endParaRPr lang="en-US"/>
           </a:p>
@@ -7161,7 +7166,7 @@
           <a:p>
             <a:fld id="{F07CD3FD-BE54-4400-942B-C6C15AA73DFD}" type="datetimeFigureOut">
               <a:rPr lang="en-US" smtClean="0"/>
-              <a:t>8/14/2023</a:t>
+              <a:t>8/23/2023</a:t>
             </a:fld>
             <a:endParaRPr lang="en-US"/>
           </a:p>
@@ -7331,7 +7336,7 @@
           <a:p>
             <a:fld id="{F07CD3FD-BE54-4400-942B-C6C15AA73DFD}" type="datetimeFigureOut">
               <a:rPr lang="en-US" smtClean="0"/>
-              <a:t>8/14/2023</a:t>
+              <a:t>8/23/2023</a:t>
             </a:fld>
             <a:endParaRPr lang="en-US"/>
           </a:p>
@@ -7581,7 +7586,7 @@
           <a:p>
             <a:fld id="{F07CD3FD-BE54-4400-942B-C6C15AA73DFD}" type="datetimeFigureOut">
               <a:rPr lang="en-US" smtClean="0"/>
-              <a:t>8/14/2023</a:t>
+              <a:t>8/23/2023</a:t>
             </a:fld>
             <a:endParaRPr lang="en-US"/>
           </a:p>
@@ -7813,7 +7818,7 @@
           <a:p>
             <a:fld id="{F07CD3FD-BE54-4400-942B-C6C15AA73DFD}" type="datetimeFigureOut">
               <a:rPr lang="en-US" smtClean="0"/>
-              <a:t>8/14/2023</a:t>
+              <a:t>8/23/2023</a:t>
             </a:fld>
             <a:endParaRPr lang="en-US"/>
           </a:p>
@@ -8194,7 +8199,7 @@
           <a:p>
             <a:fld id="{F07CD3FD-BE54-4400-942B-C6C15AA73DFD}" type="datetimeFigureOut">
               <a:rPr lang="en-US" smtClean="0"/>
-              <a:t>8/14/2023</a:t>
+              <a:t>8/23/2023</a:t>
             </a:fld>
             <a:endParaRPr lang="en-US"/>
           </a:p>
@@ -8312,7 +8317,7 @@
           <a:p>
             <a:fld id="{F07CD3FD-BE54-4400-942B-C6C15AA73DFD}" type="datetimeFigureOut">
               <a:rPr lang="en-US" smtClean="0"/>
-              <a:t>8/14/2023</a:t>
+              <a:t>8/23/2023</a:t>
             </a:fld>
             <a:endParaRPr lang="en-US"/>
           </a:p>
@@ -8407,7 +8412,7 @@
           <a:p>
             <a:fld id="{F07CD3FD-BE54-4400-942B-C6C15AA73DFD}" type="datetimeFigureOut">
               <a:rPr lang="en-US" smtClean="0"/>
-              <a:t>8/14/2023</a:t>
+              <a:t>8/23/2023</a:t>
             </a:fld>
             <a:endParaRPr lang="en-US"/>
           </a:p>
@@ -8656,7 +8661,7 @@
           <a:p>
             <a:fld id="{F07CD3FD-BE54-4400-942B-C6C15AA73DFD}" type="datetimeFigureOut">
               <a:rPr lang="en-US" smtClean="0"/>
-              <a:t>8/14/2023</a:t>
+              <a:t>8/23/2023</a:t>
             </a:fld>
             <a:endParaRPr lang="en-US"/>
           </a:p>
@@ -8936,7 +8941,7 @@
           <a:p>
             <a:fld id="{F07CD3FD-BE54-4400-942B-C6C15AA73DFD}" type="datetimeFigureOut">
               <a:rPr lang="en-US" smtClean="0"/>
-              <a:t>8/14/2023</a:t>
+              <a:t>8/23/2023</a:t>
             </a:fld>
             <a:endParaRPr lang="en-US"/>
           </a:p>
@@ -9052,7 +9057,7 @@
           <a:noFill/>
           <a:extLst>
             <a:ext uri="{909E8E84-426E-40dd-AFC4-6F175D3DCCD1}">
-              <a14:hiddenFill xmlns:a14="http://schemas.microsoft.com/office/drawing/2010/main" xmlns="">
+              <a14:hiddenFill xmlns="" xmlns:a14="http://schemas.microsoft.com/office/drawing/2010/main">
                 <a:solidFill>
                   <a:srgbClr val="FFFFFF"/>
                 </a:solidFill>
@@ -9126,7 +9131,7 @@
               </a:ln>
               <a:extLst>
                 <a:ext uri="{91240B29-F687-4f45-9708-019B960494DF}">
-                  <a14:hiddenLine xmlns:a14="http://schemas.microsoft.com/office/drawing/2010/main" xmlns="" w="9525">
+                  <a14:hiddenLine xmlns="" xmlns:a14="http://schemas.microsoft.com/office/drawing/2010/main" w="9525">
                     <a:solidFill>
                       <a:srgbClr val="000000"/>
                     </a:solidFill>
@@ -9216,7 +9221,7 @@
               </a:ln>
               <a:extLst>
                 <a:ext uri="{91240B29-F687-4f45-9708-019B960494DF}">
-                  <a14:hiddenLine xmlns:a14="http://schemas.microsoft.com/office/drawing/2010/main" xmlns="" w="9525">
+                  <a14:hiddenLine xmlns="" xmlns:a14="http://schemas.microsoft.com/office/drawing/2010/main" w="9525">
                     <a:solidFill>
                       <a:srgbClr val="000000"/>
                     </a:solidFill>
@@ -9306,7 +9311,7 @@
               </a:ln>
               <a:extLst>
                 <a:ext uri="{91240B29-F687-4f45-9708-019B960494DF}">
-                  <a14:hiddenLine xmlns:a14="http://schemas.microsoft.com/office/drawing/2010/main" xmlns="" w="9525">
+                  <a14:hiddenLine xmlns="" xmlns:a14="http://schemas.microsoft.com/office/drawing/2010/main" w="9525">
                     <a:solidFill>
                       <a:srgbClr val="000000"/>
                     </a:solidFill>
@@ -9368,7 +9373,7 @@
               </a:ln>
               <a:extLst>
                 <a:ext uri="{91240B29-F687-4f45-9708-019B960494DF}">
-                  <a14:hiddenLine xmlns:a14="http://schemas.microsoft.com/office/drawing/2010/main" xmlns="" w="9525">
+                  <a14:hiddenLine xmlns="" xmlns:a14="http://schemas.microsoft.com/office/drawing/2010/main" w="9525">
                     <a:solidFill>
                       <a:srgbClr val="000000"/>
                     </a:solidFill>
@@ -9458,7 +9463,7 @@
               </a:ln>
               <a:extLst>
                 <a:ext uri="{91240B29-F687-4f45-9708-019B960494DF}">
-                  <a14:hiddenLine xmlns:a14="http://schemas.microsoft.com/office/drawing/2010/main" xmlns="" w="9525">
+                  <a14:hiddenLine xmlns="" xmlns:a14="http://schemas.microsoft.com/office/drawing/2010/main" w="9525">
                     <a:solidFill>
                       <a:srgbClr val="000000"/>
                     </a:solidFill>
@@ -9520,7 +9525,7 @@
               </a:ln>
               <a:extLst>
                 <a:ext uri="{91240B29-F687-4f45-9708-019B960494DF}">
-                  <a14:hiddenLine xmlns:a14="http://schemas.microsoft.com/office/drawing/2010/main" xmlns="" w="9525">
+                  <a14:hiddenLine xmlns="" xmlns:a14="http://schemas.microsoft.com/office/drawing/2010/main" w="9525">
                     <a:solidFill>
                       <a:srgbClr val="000000"/>
                     </a:solidFill>
@@ -9582,7 +9587,7 @@
               </a:ln>
               <a:extLst>
                 <a:ext uri="{91240B29-F687-4f45-9708-019B960494DF}">
-                  <a14:hiddenLine xmlns:a14="http://schemas.microsoft.com/office/drawing/2010/main" xmlns="" w="9525">
+                  <a14:hiddenLine xmlns="" xmlns:a14="http://schemas.microsoft.com/office/drawing/2010/main" w="9525">
                     <a:solidFill>
                       <a:srgbClr val="000000"/>
                     </a:solidFill>
@@ -9672,7 +9677,7 @@
               </a:ln>
               <a:extLst>
                 <a:ext uri="{91240B29-F687-4f45-9708-019B960494DF}">
-                  <a14:hiddenLine xmlns:a14="http://schemas.microsoft.com/office/drawing/2010/main" xmlns="" w="9525">
+                  <a14:hiddenLine xmlns="" xmlns:a14="http://schemas.microsoft.com/office/drawing/2010/main" w="9525">
                     <a:solidFill>
                       <a:srgbClr val="000000"/>
                     </a:solidFill>
@@ -9762,7 +9767,7 @@
               </a:ln>
               <a:extLst>
                 <a:ext uri="{91240B29-F687-4f45-9708-019B960494DF}">
-                  <a14:hiddenLine xmlns:a14="http://schemas.microsoft.com/office/drawing/2010/main" xmlns="" w="9525">
+                  <a14:hiddenLine xmlns="" xmlns:a14="http://schemas.microsoft.com/office/drawing/2010/main" w="9525">
                     <a:solidFill>
                       <a:srgbClr val="000000"/>
                     </a:solidFill>
@@ -9824,7 +9829,7 @@
               </a:ln>
               <a:extLst>
                 <a:ext uri="{91240B29-F687-4f45-9708-019B960494DF}">
-                  <a14:hiddenLine xmlns:a14="http://schemas.microsoft.com/office/drawing/2010/main" xmlns="" w="9525">
+                  <a14:hiddenLine xmlns="" xmlns:a14="http://schemas.microsoft.com/office/drawing/2010/main" w="9525">
                     <a:solidFill>
                       <a:srgbClr val="000000"/>
                     </a:solidFill>
@@ -9934,7 +9939,7 @@
               </a:ln>
               <a:extLst>
                 <a:ext uri="{91240B29-F687-4f45-9708-019B960494DF}">
-                  <a14:hiddenLine xmlns:a14="http://schemas.microsoft.com/office/drawing/2010/main" xmlns="" w="9525">
+                  <a14:hiddenLine xmlns="" xmlns:a14="http://schemas.microsoft.com/office/drawing/2010/main" w="9525">
                     <a:solidFill>
                       <a:srgbClr val="000000"/>
                     </a:solidFill>
@@ -10018,7 +10023,7 @@
               </a:ln>
               <a:extLst>
                 <a:ext uri="{91240B29-F687-4f45-9708-019B960494DF}">
-                  <a14:hiddenLine xmlns:a14="http://schemas.microsoft.com/office/drawing/2010/main" xmlns="" w="9525">
+                  <a14:hiddenLine xmlns="" xmlns:a14="http://schemas.microsoft.com/office/drawing/2010/main" w="9525">
                     <a:solidFill>
                       <a:srgbClr val="000000"/>
                     </a:solidFill>
@@ -10080,7 +10085,7 @@
               </a:ln>
               <a:extLst>
                 <a:ext uri="{91240B29-F687-4f45-9708-019B960494DF}">
-                  <a14:hiddenLine xmlns:a14="http://schemas.microsoft.com/office/drawing/2010/main" xmlns="" w="9525">
+                  <a14:hiddenLine xmlns="" xmlns:a14="http://schemas.microsoft.com/office/drawing/2010/main" w="9525">
                     <a:solidFill>
                       <a:srgbClr val="000000"/>
                     </a:solidFill>
@@ -10142,7 +10147,7 @@
               </a:ln>
               <a:extLst>
                 <a:ext uri="{91240B29-F687-4f45-9708-019B960494DF}">
-                  <a14:hiddenLine xmlns:a14="http://schemas.microsoft.com/office/drawing/2010/main" xmlns="" w="9525">
+                  <a14:hiddenLine xmlns="" xmlns:a14="http://schemas.microsoft.com/office/drawing/2010/main" w="9525">
                     <a:solidFill>
                       <a:srgbClr val="000000"/>
                     </a:solidFill>
@@ -10232,7 +10237,7 @@
               </a:ln>
               <a:extLst>
                 <a:ext uri="{91240B29-F687-4f45-9708-019B960494DF}">
-                  <a14:hiddenLine xmlns:a14="http://schemas.microsoft.com/office/drawing/2010/main" xmlns="" w="9525">
+                  <a14:hiddenLine xmlns="" xmlns:a14="http://schemas.microsoft.com/office/drawing/2010/main" w="9525">
                     <a:solidFill>
                       <a:srgbClr val="000000"/>
                     </a:solidFill>
@@ -10266,7 +10271,7 @@
               </a:ln>
               <a:extLst>
                 <a:ext uri="{91240B29-F687-4f45-9708-019B960494DF}">
-                  <a14:hiddenLine xmlns:a14="http://schemas.microsoft.com/office/drawing/2010/main" xmlns="" w="9525">
+                  <a14:hiddenLine xmlns="" xmlns:a14="http://schemas.microsoft.com/office/drawing/2010/main" w="9525">
                     <a:solidFill>
                       <a:srgbClr val="000000"/>
                     </a:solidFill>
@@ -10331,7 +10336,7 @@
               </a:ln>
               <a:extLst>
                 <a:ext uri="{91240B29-F687-4f45-9708-019B960494DF}">
-                  <a14:hiddenLine xmlns:a14="http://schemas.microsoft.com/office/drawing/2010/main" xmlns="" w="9525">
+                  <a14:hiddenLine xmlns="" xmlns:a14="http://schemas.microsoft.com/office/drawing/2010/main" w="9525">
                     <a:solidFill>
                       <a:srgbClr val="000000"/>
                     </a:solidFill>
@@ -10421,7 +10426,7 @@
               </a:ln>
               <a:extLst>
                 <a:ext uri="{91240B29-F687-4f45-9708-019B960494DF}">
-                  <a14:hiddenLine xmlns:a14="http://schemas.microsoft.com/office/drawing/2010/main" xmlns="" w="9525">
+                  <a14:hiddenLine xmlns="" xmlns:a14="http://schemas.microsoft.com/office/drawing/2010/main" w="9525">
                     <a:solidFill>
                       <a:srgbClr val="000000"/>
                     </a:solidFill>
@@ -10483,7 +10488,7 @@
               </a:ln>
               <a:extLst>
                 <a:ext uri="{91240B29-F687-4f45-9708-019B960494DF}">
-                  <a14:hiddenLine xmlns:a14="http://schemas.microsoft.com/office/drawing/2010/main" xmlns="" w="9525">
+                  <a14:hiddenLine xmlns="" xmlns:a14="http://schemas.microsoft.com/office/drawing/2010/main" w="9525">
                     <a:solidFill>
                       <a:srgbClr val="000000"/>
                     </a:solidFill>
@@ -10573,7 +10578,7 @@
               </a:ln>
               <a:extLst>
                 <a:ext uri="{91240B29-F687-4f45-9708-019B960494DF}">
-                  <a14:hiddenLine xmlns:a14="http://schemas.microsoft.com/office/drawing/2010/main" xmlns="" w="9525">
+                  <a14:hiddenLine xmlns="" xmlns:a14="http://schemas.microsoft.com/office/drawing/2010/main" w="9525">
                     <a:solidFill>
                       <a:srgbClr val="000000"/>
                     </a:solidFill>
@@ -10638,7 +10643,7 @@
               </a:ln>
               <a:extLst>
                 <a:ext uri="{91240B29-F687-4f45-9708-019B960494DF}">
-                  <a14:hiddenLine xmlns:a14="http://schemas.microsoft.com/office/drawing/2010/main" xmlns="" w="9525">
+                  <a14:hiddenLine xmlns="" xmlns:a14="http://schemas.microsoft.com/office/drawing/2010/main" w="9525">
                     <a:solidFill>
                       <a:srgbClr val="000000"/>
                     </a:solidFill>
@@ -10700,7 +10705,7 @@
               </a:ln>
               <a:extLst>
                 <a:ext uri="{91240B29-F687-4f45-9708-019B960494DF}">
-                  <a14:hiddenLine xmlns:a14="http://schemas.microsoft.com/office/drawing/2010/main" xmlns="" w="9525">
+                  <a14:hiddenLine xmlns="" xmlns:a14="http://schemas.microsoft.com/office/drawing/2010/main" w="9525">
                     <a:solidFill>
                       <a:srgbClr val="000000"/>
                     </a:solidFill>
@@ -10790,7 +10795,7 @@
               </a:ln>
               <a:extLst>
                 <a:ext uri="{91240B29-F687-4f45-9708-019B960494DF}">
-                  <a14:hiddenLine xmlns:a14="http://schemas.microsoft.com/office/drawing/2010/main" xmlns="" w="9525">
+                  <a14:hiddenLine xmlns="" xmlns:a14="http://schemas.microsoft.com/office/drawing/2010/main" w="9525">
                     <a:solidFill>
                       <a:srgbClr val="000000"/>
                     </a:solidFill>
@@ -10880,7 +10885,7 @@
               </a:ln>
               <a:extLst>
                 <a:ext uri="{91240B29-F687-4f45-9708-019B960494DF}">
-                  <a14:hiddenLine xmlns:a14="http://schemas.microsoft.com/office/drawing/2010/main" xmlns="" w="9525">
+                  <a14:hiddenLine xmlns="" xmlns:a14="http://schemas.microsoft.com/office/drawing/2010/main" w="9525">
                     <a:solidFill>
                       <a:srgbClr val="000000"/>
                     </a:solidFill>
@@ -10945,7 +10950,7 @@
               </a:ln>
               <a:extLst>
                 <a:ext uri="{91240B29-F687-4f45-9708-019B960494DF}">
-                  <a14:hiddenLine xmlns:a14="http://schemas.microsoft.com/office/drawing/2010/main" xmlns="" w="9525">
+                  <a14:hiddenLine xmlns="" xmlns:a14="http://schemas.microsoft.com/office/drawing/2010/main" w="9525">
                     <a:solidFill>
                       <a:srgbClr val="000000"/>
                     </a:solidFill>
@@ -11065,7 +11070,7 @@
               </a:ln>
               <a:extLst>
                 <a:ext uri="{91240B29-F687-4f45-9708-019B960494DF}">
-                  <a14:hiddenLine xmlns:a14="http://schemas.microsoft.com/office/drawing/2010/main" xmlns="" w="9525">
+                  <a14:hiddenLine xmlns="" xmlns:a14="http://schemas.microsoft.com/office/drawing/2010/main" w="9525">
                     <a:solidFill>
                       <a:srgbClr val="000000"/>
                     </a:solidFill>
@@ -11163,7 +11168,7 @@
               </a:ln>
               <a:extLst>
                 <a:ext uri="{91240B29-F687-4f45-9708-019B960494DF}">
-                  <a14:hiddenLine xmlns:a14="http://schemas.microsoft.com/office/drawing/2010/main" xmlns="" w="9525">
+                  <a14:hiddenLine xmlns="" xmlns:a14="http://schemas.microsoft.com/office/drawing/2010/main" w="9525">
                     <a:solidFill>
                       <a:srgbClr val="000000"/>
                     </a:solidFill>
@@ -11278,7 +11283,7 @@
               </a:ln>
               <a:extLst>
                 <a:ext uri="{91240B29-F687-4f45-9708-019B960494DF}">
-                  <a14:hiddenLine xmlns:a14="http://schemas.microsoft.com/office/drawing/2010/main" xmlns="" w="9525">
+                  <a14:hiddenLine xmlns="" xmlns:a14="http://schemas.microsoft.com/office/drawing/2010/main" w="9525">
                     <a:solidFill>
                       <a:srgbClr val="000000"/>
                     </a:solidFill>
@@ -11368,7 +11373,7 @@
               </a:ln>
               <a:extLst>
                 <a:ext uri="{91240B29-F687-4f45-9708-019B960494DF}">
-                  <a14:hiddenLine xmlns:a14="http://schemas.microsoft.com/office/drawing/2010/main" xmlns="" w="9525">
+                  <a14:hiddenLine xmlns="" xmlns:a14="http://schemas.microsoft.com/office/drawing/2010/main" w="9525">
                     <a:solidFill>
                       <a:srgbClr val="000000"/>
                     </a:solidFill>
@@ -11433,7 +11438,7 @@
               </a:ln>
               <a:extLst>
                 <a:ext uri="{91240B29-F687-4f45-9708-019B960494DF}">
-                  <a14:hiddenLine xmlns:a14="http://schemas.microsoft.com/office/drawing/2010/main" xmlns="" w="9525">
+                  <a14:hiddenLine xmlns="" xmlns:a14="http://schemas.microsoft.com/office/drawing/2010/main" w="9525">
                     <a:solidFill>
                       <a:srgbClr val="000000"/>
                     </a:solidFill>
@@ -11523,7 +11528,7 @@
               </a:ln>
               <a:extLst>
                 <a:ext uri="{91240B29-F687-4f45-9708-019B960494DF}">
-                  <a14:hiddenLine xmlns:a14="http://schemas.microsoft.com/office/drawing/2010/main" xmlns="" w="9525">
+                  <a14:hiddenLine xmlns="" xmlns:a14="http://schemas.microsoft.com/office/drawing/2010/main" w="9525">
                     <a:solidFill>
                       <a:srgbClr val="000000"/>
                     </a:solidFill>
@@ -11591,7 +11596,7 @@
               </a:ln>
               <a:extLst>
                 <a:ext uri="{91240B29-F687-4f45-9708-019B960494DF}">
-                  <a14:hiddenLine xmlns:a14="http://schemas.microsoft.com/office/drawing/2010/main" xmlns="" w="9525">
+                  <a14:hiddenLine xmlns="" xmlns:a14="http://schemas.microsoft.com/office/drawing/2010/main" w="9525">
                     <a:solidFill>
                       <a:srgbClr val="000000"/>
                     </a:solidFill>
@@ -11681,7 +11686,7 @@
               </a:ln>
               <a:extLst>
                 <a:ext uri="{91240B29-F687-4f45-9708-019B960494DF}">
-                  <a14:hiddenLine xmlns:a14="http://schemas.microsoft.com/office/drawing/2010/main" xmlns="" w="9525">
+                  <a14:hiddenLine xmlns="" xmlns:a14="http://schemas.microsoft.com/office/drawing/2010/main" w="9525">
                     <a:solidFill>
                       <a:srgbClr val="000000"/>
                     </a:solidFill>
@@ -11749,7 +11754,7 @@
               </a:ln>
               <a:extLst>
                 <a:ext uri="{91240B29-F687-4f45-9708-019B960494DF}">
-                  <a14:hiddenLine xmlns:a14="http://schemas.microsoft.com/office/drawing/2010/main" xmlns="" w="9525">
+                  <a14:hiddenLine xmlns="" xmlns:a14="http://schemas.microsoft.com/office/drawing/2010/main" w="9525">
                     <a:solidFill>
                       <a:srgbClr val="000000"/>
                     </a:solidFill>
@@ -11839,7 +11844,7 @@
               </a:ln>
               <a:extLst>
                 <a:ext uri="{91240B29-F687-4f45-9708-019B960494DF}">
-                  <a14:hiddenLine xmlns:a14="http://schemas.microsoft.com/office/drawing/2010/main" xmlns="" w="9525">
+                  <a14:hiddenLine xmlns="" xmlns:a14="http://schemas.microsoft.com/office/drawing/2010/main" w="9525">
                     <a:solidFill>
                       <a:srgbClr val="000000"/>
                     </a:solidFill>
@@ -11873,7 +11878,7 @@
               </a:ln>
               <a:extLst>
                 <a:ext uri="{91240B29-F687-4f45-9708-019B960494DF}">
-                  <a14:hiddenLine xmlns:a14="http://schemas.microsoft.com/office/drawing/2010/main" xmlns="" w="9525">
+                  <a14:hiddenLine xmlns="" xmlns:a14="http://schemas.microsoft.com/office/drawing/2010/main" w="9525">
                     <a:solidFill>
                       <a:srgbClr val="000000"/>
                     </a:solidFill>
@@ -12013,7 +12018,7 @@
           <a:p>
             <a:fld id="{F07CD3FD-BE54-4400-942B-C6C15AA73DFD}" type="datetimeFigureOut">
               <a:rPr lang="en-US" smtClean="0"/>
-              <a:t>8/14/2023</a:t>
+              <a:t>8/23/2023</a:t>
             </a:fld>
             <a:endParaRPr lang="en-US"/>
           </a:p>
@@ -12553,7 +12558,7 @@
                   <a:spcPts val="600"/>
                 </a:spcAft>
               </a:pPr>
-              <a:t>8/14/2023</a:t>
+              <a:t>8/23/2023</a:t>
             </a:fld>
             <a:endParaRPr lang="en-US" dirty="0"/>
           </a:p>
@@ -12705,7 +12710,12 @@
             <p:ph idx="1"/>
           </p:nvPr>
         </p:nvSpPr>
-        <p:spPr/>
+        <p:spPr>
+          <a:xfrm>
+            <a:off x="1141412" y="2249487"/>
+            <a:ext cx="9905999" cy="4143362"/>
+          </a:xfrm>
+        </p:spPr>
         <p:txBody>
           <a:bodyPr>
             <a:normAutofit fontScale="55000" lnSpcReduction="20000"/>
@@ -12756,19 +12766,30 @@
               </a:rPr>
               <a:t>Características Clave:</a:t>
             </a:r>
-            <a:endParaRPr lang="es-AR" b="0" i="0" dirty="0">
-              <a:solidFill>
-                <a:srgbClr val="D1D5DB"/>
-              </a:solidFill>
-              <a:effectLst/>
-              <a:latin typeface="Söhne"/>
-            </a:endParaRPr>
-          </a:p>
-          <a:p>
-            <a:pPr algn="l">
-              <a:buFont typeface="Arial" panose="020B0604020202020204" pitchFamily="34" charset="0"/>
-              <a:buChar char="•"/>
-            </a:pPr>
+          </a:p>
+          <a:p>
+            <a:r>
+              <a:rPr lang="es-AR" b="1" i="0" dirty="0">
+                <a:solidFill>
+                  <a:srgbClr val="D1D5DB"/>
+                </a:solidFill>
+                <a:effectLst/>
+                <a:latin typeface="Söhne"/>
+              </a:rPr>
+              <a:t>Tabla Usuario:</a:t>
+            </a:r>
+            <a:r>
+              <a:rPr lang="es-AR" b="0" i="0" dirty="0">
+                <a:solidFill>
+                  <a:srgbClr val="D1D5DB"/>
+                </a:solidFill>
+                <a:effectLst/>
+                <a:latin typeface="Söhne"/>
+              </a:rPr>
+              <a:t> Registro de usuario, el cual podrá consultar películas, dar puntuación y buscar referencias cinematográficas de la misma. </a:t>
+            </a:r>
+          </a:p>
+          <a:p>
             <a:r>
               <a:rPr lang="es-AR" b="1" i="0" dirty="0">
                 <a:solidFill>
@@ -12855,7 +12876,7 @@
                 <a:effectLst/>
                 <a:latin typeface="Söhne"/>
               </a:rPr>
-              <a:t>Tabla Actuación:</a:t>
+              <a:t>Tabla Productora:</a:t>
             </a:r>
             <a:r>
               <a:rPr lang="es-AR" b="0" i="0" dirty="0">
@@ -12865,7 +12886,7 @@
                 <a:effectLst/>
                 <a:latin typeface="Söhne"/>
               </a:rPr>
-              <a:t> Esta tabla permite capturar la colaboración entre actores y películas, mostrando qué actores participaron en qué películas y en qué roles interpretativos.</a:t>
+              <a:t> Esta tabla permite capturar la colaboración entre actores y películas, mostrando qué productora participo en qué película</a:t>
             </a:r>
           </a:p>
         </p:txBody>
@@ -12923,352 +12944,50 @@
           <a:p>
             <a:r>
               <a:rPr lang="es-AR" dirty="0"/>
-              <a:t>Descripción de tablas</a:t>
+              <a:t>Diagrama de tablas</a:t>
             </a:r>
           </a:p>
         </p:txBody>
       </p:sp>
-      <p:sp>
-        <p:nvSpPr>
-          <p:cNvPr id="3" name="Marcador de contenido 2">
+      <p:pic>
+        <p:nvPicPr>
+          <p:cNvPr id="7" name="Marcador de contenido 6" descr="Escala de tiempo&#10;&#10;Descripción generada automáticamente">
             <a:extLst>
               <a:ext uri="{FF2B5EF4-FFF2-40B4-BE49-F238E27FC236}">
-                <a16:creationId xmlns:a16="http://schemas.microsoft.com/office/drawing/2014/main" id="{C8AA2ABF-A06B-913F-CBDA-07D375D6FF45}"/>
+                <a16:creationId xmlns:a16="http://schemas.microsoft.com/office/drawing/2014/main" id="{A1B44CD1-E332-0191-58FD-457E0B1B8F17}"/>
               </a:ext>
             </a:extLst>
           </p:cNvPr>
-          <p:cNvSpPr>
-            <a:spLocks noGrp="1"/>
-          </p:cNvSpPr>
+          <p:cNvPicPr>
+            <a:picLocks noGrp="1" noChangeAspect="1"/>
+          </p:cNvPicPr>
           <p:nvPr>
             <p:ph idx="1"/>
           </p:nvPr>
-        </p:nvSpPr>
+        </p:nvPicPr>
+        <p:blipFill>
+          <a:blip r:embed="rId2">
+            <a:extLst>
+              <a:ext uri="{28A0092B-C50C-407E-A947-70E740481C1C}">
+                <a14:useLocalDpi xmlns:a14="http://schemas.microsoft.com/office/drawing/2010/main" val="0"/>
+              </a:ext>
+            </a:extLst>
+          </a:blip>
+          <a:stretch>
+            <a:fillRect/>
+          </a:stretch>
+        </p:blipFill>
         <p:spPr>
           <a:xfrm>
-            <a:off x="1141412" y="1852654"/>
-            <a:ext cx="9905999" cy="4269849"/>
+            <a:off x="2026763" y="1593131"/>
+            <a:ext cx="7758260" cy="5081046"/>
           </a:xfrm>
         </p:spPr>
-        <p:txBody>
-          <a:bodyPr>
-            <a:normAutofit fontScale="77500" lnSpcReduction="20000"/>
-          </a:bodyPr>
-          <a:lstStyle/>
-          <a:p>
-            <a:r>
-              <a:rPr lang="es-AR" sz="1900" b="1" i="0" dirty="0">
-                <a:solidFill>
-                  <a:srgbClr val="D1D5DB"/>
-                </a:solidFill>
-                <a:effectLst/>
-                <a:latin typeface="Söhne"/>
-              </a:rPr>
-              <a:t>Tabla Director:                                                                 Tabla Actor:                                                     Tabla Película:</a:t>
-            </a:r>
-            <a:endParaRPr lang="es-AR" sz="1900" b="0" i="0" dirty="0">
-              <a:solidFill>
-                <a:srgbClr val="D1D5DB"/>
-              </a:solidFill>
-              <a:effectLst/>
-              <a:latin typeface="Söhne"/>
-            </a:endParaRPr>
-          </a:p>
-          <a:p>
-            <a:pPr>
-              <a:buFont typeface="Arial" panose="020B0604020202020204" pitchFamily="34" charset="0"/>
-              <a:buChar char="•"/>
-            </a:pPr>
-            <a:r>
-              <a:rPr lang="es-AR" sz="1900" b="0" i="0" dirty="0" err="1">
-                <a:solidFill>
-                  <a:srgbClr val="D1D5DB"/>
-                </a:solidFill>
-                <a:effectLst/>
-                <a:latin typeface="Söhne"/>
-              </a:rPr>
-              <a:t>DirectorID</a:t>
-            </a:r>
-            <a:r>
-              <a:rPr lang="es-AR" sz="1900" b="0" i="0" dirty="0">
-                <a:solidFill>
-                  <a:srgbClr val="D1D5DB"/>
-                </a:solidFill>
-                <a:effectLst/>
-                <a:latin typeface="Söhne"/>
-              </a:rPr>
-              <a:t> (PK)                                                                  </a:t>
-            </a:r>
-            <a:r>
-              <a:rPr lang="es-AR" sz="1900" b="0" i="0" dirty="0" err="1">
-                <a:solidFill>
-                  <a:srgbClr val="D1D5DB"/>
-                </a:solidFill>
-                <a:effectLst/>
-                <a:latin typeface="Söhne"/>
-              </a:rPr>
-              <a:t>ActorID</a:t>
-            </a:r>
-            <a:r>
-              <a:rPr lang="es-AR" sz="1900" b="0" i="0" dirty="0">
-                <a:solidFill>
-                  <a:srgbClr val="D1D5DB"/>
-                </a:solidFill>
-                <a:effectLst/>
-                <a:latin typeface="Söhne"/>
-              </a:rPr>
-              <a:t>(PK)                                                     </a:t>
-            </a:r>
-            <a:r>
-              <a:rPr lang="es-AR" sz="1900" b="0" i="0" dirty="0" err="1">
-                <a:solidFill>
-                  <a:srgbClr val="D1D5DB"/>
-                </a:solidFill>
-                <a:effectLst/>
-                <a:latin typeface="Söhne"/>
-              </a:rPr>
-              <a:t>PeliculaID</a:t>
-            </a:r>
-            <a:r>
-              <a:rPr lang="es-AR" sz="1900" b="0" i="0" dirty="0">
-                <a:solidFill>
-                  <a:srgbClr val="D1D5DB"/>
-                </a:solidFill>
-                <a:effectLst/>
-                <a:latin typeface="Söhne"/>
-              </a:rPr>
-              <a:t>(PK)</a:t>
-            </a:r>
-          </a:p>
-          <a:p>
-            <a:pPr>
-              <a:buFont typeface="Arial" panose="020B0604020202020204" pitchFamily="34" charset="0"/>
-              <a:buChar char="•"/>
-            </a:pPr>
-            <a:r>
-              <a:rPr lang="es-AR" sz="1900" b="0" i="0" dirty="0">
-                <a:solidFill>
-                  <a:srgbClr val="D1D5DB"/>
-                </a:solidFill>
-                <a:effectLst/>
-                <a:latin typeface="Söhne"/>
-              </a:rPr>
-              <a:t>Nombre completo                                                            Nombre Completo                                         Título</a:t>
-            </a:r>
-          </a:p>
-          <a:p>
-            <a:pPr>
-              <a:buFont typeface="Arial" panose="020B0604020202020204" pitchFamily="34" charset="0"/>
-              <a:buChar char="•"/>
-            </a:pPr>
-            <a:r>
-              <a:rPr lang="es-AR" sz="1900" b="0" i="0" dirty="0">
-                <a:solidFill>
-                  <a:srgbClr val="D1D5DB"/>
-                </a:solidFill>
-                <a:effectLst/>
-                <a:latin typeface="Söhne"/>
-              </a:rPr>
-              <a:t>Fecha de nacimiento                                                        Nacionalidad                                                   Año de lanzamiento</a:t>
-            </a:r>
-          </a:p>
-          <a:p>
-            <a:pPr>
-              <a:buFont typeface="Arial" panose="020B0604020202020204" pitchFamily="34" charset="0"/>
-              <a:buChar char="•"/>
-            </a:pPr>
-            <a:r>
-              <a:rPr lang="es-AR" sz="1900" b="0" i="0" dirty="0">
-                <a:solidFill>
-                  <a:srgbClr val="D1D5DB"/>
-                </a:solidFill>
-                <a:effectLst/>
-                <a:latin typeface="Söhne"/>
-              </a:rPr>
-              <a:t>Nacionalidad                                                                      Biografía                                                           Duración                                                         </a:t>
-            </a:r>
-          </a:p>
-          <a:p>
-            <a:pPr>
-              <a:buFont typeface="Arial" panose="020B0604020202020204" pitchFamily="34" charset="0"/>
-              <a:buChar char="•"/>
-            </a:pPr>
-            <a:r>
-              <a:rPr lang="es-AR" sz="1900" b="0" i="0" dirty="0">
-                <a:solidFill>
-                  <a:srgbClr val="D1D5DB"/>
-                </a:solidFill>
-                <a:effectLst/>
-                <a:latin typeface="Söhne"/>
-              </a:rPr>
-              <a:t>Biografía                                                                                                                                                         Genero</a:t>
-            </a:r>
-          </a:p>
-          <a:p>
-            <a:pPr>
-              <a:buFont typeface="Arial" panose="020B0604020202020204" pitchFamily="34" charset="0"/>
-              <a:buChar char="•"/>
-            </a:pPr>
-            <a:r>
-              <a:rPr lang="es-AR" sz="1900" b="0" i="0" dirty="0">
-                <a:solidFill>
-                  <a:srgbClr val="D1D5DB"/>
-                </a:solidFill>
-                <a:effectLst/>
-                <a:latin typeface="Söhne"/>
-              </a:rPr>
-              <a:t>                                                                                                                                                                         Clasificación</a:t>
-            </a:r>
-          </a:p>
-          <a:p>
-            <a:r>
-              <a:rPr lang="es-AR" sz="1900" b="1" i="0" dirty="0">
-                <a:solidFill>
-                  <a:srgbClr val="D1D5DB"/>
-                </a:solidFill>
-                <a:effectLst/>
-                <a:latin typeface="Söhne"/>
-              </a:rPr>
-              <a:t>Tabla Actuación:                                                                                                                                           Sinopsis</a:t>
-            </a:r>
-            <a:endParaRPr lang="es-AR" sz="1900" b="0" i="0" dirty="0">
-              <a:solidFill>
-                <a:srgbClr val="D1D5DB"/>
-              </a:solidFill>
-              <a:effectLst/>
-              <a:latin typeface="Söhne"/>
-            </a:endParaRPr>
-          </a:p>
-          <a:p>
-            <a:pPr>
-              <a:buFont typeface="Arial" panose="020B0604020202020204" pitchFamily="34" charset="0"/>
-              <a:buChar char="•"/>
-            </a:pPr>
-            <a:r>
-              <a:rPr lang="es-AR" sz="1900" b="0" i="0" dirty="0" err="1">
-                <a:solidFill>
-                  <a:srgbClr val="D1D5DB"/>
-                </a:solidFill>
-                <a:effectLst/>
-                <a:latin typeface="Söhne"/>
-              </a:rPr>
-              <a:t>ActuacionID</a:t>
-            </a:r>
-            <a:r>
-              <a:rPr lang="es-AR" sz="1900" b="0" i="0" dirty="0">
-                <a:solidFill>
-                  <a:srgbClr val="D1D5DB"/>
-                </a:solidFill>
-                <a:effectLst/>
-                <a:latin typeface="Söhne"/>
-              </a:rPr>
-              <a:t> (PK)                                                                                                                                            </a:t>
-            </a:r>
-            <a:r>
-              <a:rPr lang="es-AR" sz="1900" b="0" i="0" dirty="0" err="1">
-                <a:solidFill>
-                  <a:srgbClr val="D1D5DB"/>
-                </a:solidFill>
-                <a:effectLst/>
-                <a:latin typeface="Söhne"/>
-              </a:rPr>
-              <a:t>DirectorID</a:t>
-            </a:r>
-            <a:r>
-              <a:rPr lang="es-AR" sz="1900" b="0" i="0" dirty="0">
-                <a:solidFill>
-                  <a:srgbClr val="D1D5DB"/>
-                </a:solidFill>
-                <a:effectLst/>
-                <a:latin typeface="Söhne"/>
-              </a:rPr>
-              <a:t>(PK)</a:t>
-            </a:r>
-          </a:p>
-          <a:p>
-            <a:pPr>
-              <a:buFont typeface="Arial" panose="020B0604020202020204" pitchFamily="34" charset="0"/>
-              <a:buChar char="•"/>
-            </a:pPr>
-            <a:r>
-              <a:rPr lang="es-AR" sz="1900" b="0" i="0" dirty="0" err="1">
-                <a:solidFill>
-                  <a:srgbClr val="D1D5DB"/>
-                </a:solidFill>
-                <a:effectLst/>
-                <a:latin typeface="Söhne"/>
-              </a:rPr>
-              <a:t>PeliculaID</a:t>
-            </a:r>
-            <a:r>
-              <a:rPr lang="es-AR" sz="1900" b="0" i="0" dirty="0">
-                <a:solidFill>
-                  <a:srgbClr val="D1D5DB"/>
-                </a:solidFill>
-                <a:effectLst/>
-                <a:latin typeface="Söhne"/>
-              </a:rPr>
-              <a:t> (FK)                                                                                                                                                Puntuación promedio</a:t>
-            </a:r>
-          </a:p>
-          <a:p>
-            <a:pPr>
-              <a:buFont typeface="Arial" panose="020B0604020202020204" pitchFamily="34" charset="0"/>
-              <a:buChar char="•"/>
-            </a:pPr>
-            <a:r>
-              <a:rPr lang="es-AR" sz="1900" b="0" i="0" dirty="0" err="1">
-                <a:solidFill>
-                  <a:srgbClr val="D1D5DB"/>
-                </a:solidFill>
-                <a:effectLst/>
-                <a:latin typeface="Söhne"/>
-              </a:rPr>
-              <a:t>ActorID</a:t>
-            </a:r>
-            <a:r>
-              <a:rPr lang="es-AR" sz="1900" b="0" i="0" dirty="0">
-                <a:solidFill>
-                  <a:srgbClr val="D1D5DB"/>
-                </a:solidFill>
-                <a:effectLst/>
-                <a:latin typeface="Söhne"/>
-              </a:rPr>
-              <a:t> (FK)</a:t>
-            </a:r>
-          </a:p>
-          <a:p>
-            <a:pPr>
-              <a:buFont typeface="Arial" panose="020B0604020202020204" pitchFamily="34" charset="0"/>
-              <a:buChar char="•"/>
-            </a:pPr>
-            <a:r>
-              <a:rPr lang="es-AR" sz="1900" b="0" i="0" dirty="0">
-                <a:solidFill>
-                  <a:srgbClr val="D1D5DB"/>
-                </a:solidFill>
-                <a:effectLst/>
-                <a:latin typeface="Söhne"/>
-              </a:rPr>
-              <a:t>Papel interpretado</a:t>
-            </a:r>
-          </a:p>
-          <a:p>
-            <a:pPr algn="l"/>
-            <a:endParaRPr lang="es-AR" b="0" i="0" dirty="0">
-              <a:solidFill>
-                <a:srgbClr val="D1D5DB"/>
-              </a:solidFill>
-              <a:effectLst/>
-              <a:latin typeface="Söhne"/>
-            </a:endParaRPr>
-          </a:p>
-        </p:txBody>
-      </p:sp>
+      </p:pic>
     </p:spTree>
     <p:extLst>
       <p:ext uri="{BB962C8B-B14F-4D97-AF65-F5344CB8AC3E}">
-        <p14:creationId xmlns:p14="http://schemas.microsoft.com/office/powerpoint/2010/main" val="3642977724"/>
+        <p14:creationId xmlns:p14="http://schemas.microsoft.com/office/powerpoint/2010/main" val="1830558554"/>
       </p:ext>
     </p:extLst>
   </p:cSld>
